--- a/quick_figures.pptx
+++ b/quick_figures.pptx
@@ -6,6 +6,7 @@
   </p:sldMasterIdLst>
   <p:sldIdLst>
     <p:sldId id="256" r:id="rId2"/>
+    <p:sldId id="257" r:id="rId3"/>
   </p:sldIdLst>
   <p:sldSz cx="12192000" cy="6858000"/>
   <p:notesSz cx="6858000" cy="9144000"/>
@@ -3394,6 +3395,415 @@
 </p:sld>
 </file>
 
+<file path=ppt/slides/slide2.xml><?xml version="1.0" encoding="utf-8"?>
+<p:sld xmlns:a="http://schemas.openxmlformats.org/drawingml/2006/main" xmlns:r="http://schemas.openxmlformats.org/officeDocument/2006/relationships" xmlns:p="http://schemas.openxmlformats.org/presentationml/2006/main">
+  <p:cSld>
+    <p:bg>
+      <p:bgPr>
+        <a:solidFill>
+          <a:schemeClr val="bg1"/>
+        </a:solidFill>
+        <a:effectLst/>
+      </p:bgPr>
+    </p:bg>
+    <p:spTree>
+      <p:nvGrpSpPr>
+        <p:cNvPr id="1" name=""/>
+        <p:cNvGrpSpPr/>
+        <p:nvPr/>
+      </p:nvGrpSpPr>
+      <p:grpSpPr>
+        <a:xfrm>
+          <a:off x="0" y="0"/>
+          <a:ext cx="0" cy="0"/>
+          <a:chOff x="0" y="0"/>
+          <a:chExt cx="0" cy="0"/>
+        </a:xfrm>
+      </p:grpSpPr>
+      <p:sp>
+        <p:nvSpPr>
+          <p:cNvPr id="14" name="Freeform 6">
+            <a:extLst>
+              <a:ext uri="{FF2B5EF4-FFF2-40B4-BE49-F238E27FC236}">
+                <a16:creationId xmlns:a16="http://schemas.microsoft.com/office/drawing/2014/main" id="{69D184B2-2226-4E31-BCCB-444330767440}"/>
+              </a:ext>
+              <a:ext uri="{C183D7F6-B498-43B3-948B-1728B52AA6E4}">
+                <adec:decorative xmlns:adec="http://schemas.microsoft.com/office/drawing/2017/decorative" val="1"/>
+              </a:ext>
+            </a:extLst>
+          </p:cNvPr>
+          <p:cNvSpPr>
+            <a:spLocks noGrp="1" noRot="1" noChangeAspect="1" noMove="1" noResize="1" noEditPoints="1" noAdjustHandles="1" noChangeArrowheads="1" noChangeShapeType="1" noTextEdit="1"/>
+          </p:cNvSpPr>
+          <p:nvPr>
+            <p:extLst>
+              <p:ext uri="{386F3935-93C4-4BCD-93E2-E3B085C9AB24}">
+                <p16:designElem xmlns:p16="http://schemas.microsoft.com/office/powerpoint/2015/main" val="1"/>
+              </p:ext>
+            </p:extLst>
+          </p:nvPr>
+        </p:nvSpPr>
+        <p:spPr bwMode="auto">
+          <a:xfrm>
+            <a:off x="11118533" y="918266"/>
+            <a:ext cx="706127" cy="5863534"/>
+          </a:xfrm>
+          <a:custGeom>
+            <a:avLst/>
+            <a:gdLst>
+              <a:gd name="T0" fmla="*/ 414 w 414"/>
+              <a:gd name="T1" fmla="*/ 2447 h 2447"/>
+              <a:gd name="T2" fmla="*/ 0 w 414"/>
+              <a:gd name="T3" fmla="*/ 2247 h 2447"/>
+              <a:gd name="T4" fmla="*/ 0 w 414"/>
+              <a:gd name="T5" fmla="*/ 0 h 2447"/>
+              <a:gd name="T6" fmla="*/ 414 w 414"/>
+              <a:gd name="T7" fmla="*/ 200 h 2447"/>
+              <a:gd name="T8" fmla="*/ 414 w 414"/>
+              <a:gd name="T9" fmla="*/ 2447 h 2447"/>
+            </a:gdLst>
+            <a:ahLst/>
+            <a:cxnLst>
+              <a:cxn ang="0">
+                <a:pos x="T0" y="T1"/>
+              </a:cxn>
+              <a:cxn ang="0">
+                <a:pos x="T2" y="T3"/>
+              </a:cxn>
+              <a:cxn ang="0">
+                <a:pos x="T4" y="T5"/>
+              </a:cxn>
+              <a:cxn ang="0">
+                <a:pos x="T6" y="T7"/>
+              </a:cxn>
+              <a:cxn ang="0">
+                <a:pos x="T8" y="T9"/>
+              </a:cxn>
+            </a:cxnLst>
+            <a:rect l="0" t="0" r="r" b="b"/>
+            <a:pathLst>
+              <a:path w="414" h="2447">
+                <a:moveTo>
+                  <a:pt x="414" y="2447"/>
+                </a:moveTo>
+                <a:lnTo>
+                  <a:pt x="0" y="2247"/>
+                </a:lnTo>
+                <a:lnTo>
+                  <a:pt x="0" y="0"/>
+                </a:lnTo>
+                <a:lnTo>
+                  <a:pt x="414" y="200"/>
+                </a:lnTo>
+                <a:lnTo>
+                  <a:pt x="414" y="2447"/>
+                </a:lnTo>
+                <a:close/>
+              </a:path>
+            </a:pathLst>
+          </a:custGeom>
+          <a:solidFill>
+            <a:schemeClr val="accent1">
+              <a:lumMod val="75000"/>
+            </a:schemeClr>
+          </a:solidFill>
+          <a:ln>
+            <a:noFill/>
+          </a:ln>
+        </p:spPr>
+        <p:txBody>
+          <a:bodyPr vert="horz" wrap="square" lIns="91440" tIns="45720" rIns="91440" bIns="45720" numCol="1" anchor="t" anchorCtr="0" compatLnSpc="1">
+            <a:prstTxWarp prst="textNoShape">
+              <a:avLst/>
+            </a:prstTxWarp>
+          </a:bodyPr>
+          <a:lstStyle/>
+          <a:p>
+            <a:endParaRPr lang="en-US"/>
+          </a:p>
+        </p:txBody>
+      </p:sp>
+      <p:sp>
+        <p:nvSpPr>
+          <p:cNvPr id="16" name="Freeform 7">
+            <a:extLst>
+              <a:ext uri="{FF2B5EF4-FFF2-40B4-BE49-F238E27FC236}">
+                <a16:creationId xmlns:a16="http://schemas.microsoft.com/office/drawing/2014/main" id="{1AC4D4E3-486A-464A-8EC8-D44881097267}"/>
+              </a:ext>
+              <a:ext uri="{C183D7F6-B498-43B3-948B-1728B52AA6E4}">
+                <adec:decorative xmlns:adec="http://schemas.microsoft.com/office/drawing/2017/decorative" val="1"/>
+              </a:ext>
+            </a:extLst>
+          </p:cNvPr>
+          <p:cNvSpPr>
+            <a:spLocks noGrp="1" noRot="1" noChangeAspect="1" noMove="1" noResize="1" noEditPoints="1" noAdjustHandles="1" noChangeArrowheads="1" noChangeShapeType="1" noTextEdit="1"/>
+          </p:cNvSpPr>
+          <p:nvPr>
+            <p:extLst>
+              <p:ext uri="{386F3935-93C4-4BCD-93E2-E3B085C9AB24}">
+                <p16:designElem xmlns:p16="http://schemas.microsoft.com/office/powerpoint/2015/main" val="1"/>
+              </p:ext>
+            </p:extLst>
+          </p:nvPr>
+        </p:nvSpPr>
+        <p:spPr bwMode="auto">
+          <a:xfrm>
+            <a:off x="11117879" y="643467"/>
+            <a:ext cx="420307" cy="5668919"/>
+          </a:xfrm>
+          <a:custGeom>
+            <a:avLst/>
+            <a:gdLst>
+              <a:gd name="T0" fmla="*/ 209 w 209"/>
+              <a:gd name="T1" fmla="*/ 2246 h 2358"/>
+              <a:gd name="T2" fmla="*/ 0 w 209"/>
+              <a:gd name="T3" fmla="*/ 2358 h 2358"/>
+              <a:gd name="T4" fmla="*/ 0 w 209"/>
+              <a:gd name="T5" fmla="*/ 111 h 2358"/>
+              <a:gd name="T6" fmla="*/ 209 w 209"/>
+              <a:gd name="T7" fmla="*/ 0 h 2358"/>
+              <a:gd name="T8" fmla="*/ 209 w 209"/>
+              <a:gd name="T9" fmla="*/ 2246 h 2358"/>
+            </a:gdLst>
+            <a:ahLst/>
+            <a:cxnLst>
+              <a:cxn ang="0">
+                <a:pos x="T0" y="T1"/>
+              </a:cxn>
+              <a:cxn ang="0">
+                <a:pos x="T2" y="T3"/>
+              </a:cxn>
+              <a:cxn ang="0">
+                <a:pos x="T4" y="T5"/>
+              </a:cxn>
+              <a:cxn ang="0">
+                <a:pos x="T6" y="T7"/>
+              </a:cxn>
+              <a:cxn ang="0">
+                <a:pos x="T8" y="T9"/>
+              </a:cxn>
+            </a:cxnLst>
+            <a:rect l="0" t="0" r="r" b="b"/>
+            <a:pathLst>
+              <a:path w="209" h="2358">
+                <a:moveTo>
+                  <a:pt x="209" y="2246"/>
+                </a:moveTo>
+                <a:lnTo>
+                  <a:pt x="0" y="2358"/>
+                </a:lnTo>
+                <a:lnTo>
+                  <a:pt x="0" y="111"/>
+                </a:lnTo>
+                <a:lnTo>
+                  <a:pt x="209" y="0"/>
+                </a:lnTo>
+                <a:lnTo>
+                  <a:pt x="209" y="2246"/>
+                </a:lnTo>
+                <a:close/>
+              </a:path>
+            </a:pathLst>
+          </a:custGeom>
+          <a:solidFill>
+            <a:schemeClr val="accent1">
+              <a:lumMod val="50000"/>
+            </a:schemeClr>
+          </a:solidFill>
+          <a:ln>
+            <a:noFill/>
+          </a:ln>
+        </p:spPr>
+        <p:txBody>
+          <a:bodyPr vert="horz" wrap="square" lIns="91440" tIns="45720" rIns="91440" bIns="45720" numCol="1" anchor="t" anchorCtr="0" compatLnSpc="1">
+            <a:prstTxWarp prst="textNoShape">
+              <a:avLst/>
+            </a:prstTxWarp>
+          </a:bodyPr>
+          <a:lstStyle/>
+          <a:p>
+            <a:endParaRPr lang="en-US"/>
+          </a:p>
+        </p:txBody>
+      </p:sp>
+      <p:sp>
+        <p:nvSpPr>
+          <p:cNvPr id="18" name="Rectangle 17">
+            <a:extLst>
+              <a:ext uri="{FF2B5EF4-FFF2-40B4-BE49-F238E27FC236}">
+                <a16:creationId xmlns:a16="http://schemas.microsoft.com/office/drawing/2014/main" id="{864DE13E-58EB-4475-B79C-0D4FC651239B}"/>
+              </a:ext>
+              <a:ext uri="{C183D7F6-B498-43B3-948B-1728B52AA6E4}">
+                <adec:decorative xmlns:adec="http://schemas.microsoft.com/office/drawing/2017/decorative" val="1"/>
+              </a:ext>
+            </a:extLst>
+          </p:cNvPr>
+          <p:cNvSpPr>
+            <a:spLocks noGrp="1" noRot="1" noChangeAspect="1" noMove="1" noResize="1" noEditPoints="1" noAdjustHandles="1" noChangeArrowheads="1" noChangeShapeType="1" noTextEdit="1"/>
+          </p:cNvSpPr>
+          <p:nvPr>
+            <p:extLst>
+              <p:ext uri="{386F3935-93C4-4BCD-93E2-E3B085C9AB24}">
+                <p16:designElem xmlns:p16="http://schemas.microsoft.com/office/powerpoint/2015/main" val="1"/>
+              </p:ext>
+            </p:extLst>
+          </p:nvPr>
+        </p:nvSpPr>
+        <p:spPr bwMode="auto">
+          <a:xfrm>
+            <a:off x="638387" y="643467"/>
+            <a:ext cx="10933503" cy="5391944"/>
+          </a:xfrm>
+          <a:prstGeom prst="rect">
+            <a:avLst/>
+          </a:prstGeom>
+          <a:solidFill>
+            <a:srgbClr val="FFFFFF"/>
+          </a:solidFill>
+          <a:ln w="12700">
+            <a:solidFill>
+              <a:schemeClr val="accent1"/>
+            </a:solidFill>
+            <a:miter lim="800000"/>
+          </a:ln>
+        </p:spPr>
+        <p:txBody>
+          <a:bodyPr vert="horz" wrap="square" lIns="91440" tIns="45720" rIns="91440" bIns="45720" numCol="1" anchor="t" anchorCtr="0" compatLnSpc="1">
+            <a:prstTxWarp prst="textNoShape">
+              <a:avLst/>
+            </a:prstTxWarp>
+          </a:bodyPr>
+          <a:lstStyle/>
+          <a:p>
+            <a:endParaRPr lang="en-US"/>
+          </a:p>
+        </p:txBody>
+      </p:sp>
+      <p:pic>
+        <p:nvPicPr>
+          <p:cNvPr id="9" name="Picture 8" descr="A graph of a graph showing a number of different colored lines&#10;&#10;AI-generated content may be incorrect.">
+            <a:extLst>
+              <a:ext uri="{FF2B5EF4-FFF2-40B4-BE49-F238E27FC236}">
+                <a16:creationId xmlns:a16="http://schemas.microsoft.com/office/drawing/2014/main" id="{5BB7F15D-60E8-80BC-9C6B-6E4D5DB437FD}"/>
+              </a:ext>
+            </a:extLst>
+          </p:cNvPr>
+          <p:cNvPicPr>
+            <a:picLocks noChangeAspect="1"/>
+          </p:cNvPicPr>
+          <p:nvPr/>
+        </p:nvPicPr>
+        <p:blipFill>
+          <a:blip r:embed="rId2"/>
+          <a:stretch>
+            <a:fillRect/>
+          </a:stretch>
+        </p:blipFill>
+        <p:spPr>
+          <a:xfrm>
+            <a:off x="1140934" y="1285126"/>
+            <a:ext cx="4616434" cy="4108625"/>
+          </a:xfrm>
+          <a:prstGeom prst="rect">
+            <a:avLst/>
+          </a:prstGeom>
+        </p:spPr>
+      </p:pic>
+      <p:cxnSp>
+        <p:nvCxnSpPr>
+          <p:cNvPr id="20" name="Straight Connector 19">
+            <a:extLst>
+              <a:ext uri="{FF2B5EF4-FFF2-40B4-BE49-F238E27FC236}">
+                <a16:creationId xmlns:a16="http://schemas.microsoft.com/office/drawing/2014/main" id="{02E9B2EE-76CA-47F3-9977-3F2FCB7FD252}"/>
+              </a:ext>
+              <a:ext uri="{C183D7F6-B498-43B3-948B-1728B52AA6E4}">
+                <adec:decorative xmlns:adec="http://schemas.microsoft.com/office/drawing/2017/decorative" val="1"/>
+              </a:ext>
+            </a:extLst>
+          </p:cNvPr>
+          <p:cNvCxnSpPr>
+            <a:cxnSpLocks noGrp="1" noRot="1" noChangeAspect="1" noMove="1" noResize="1" noEditPoints="1" noAdjustHandles="1" noChangeArrowheads="1" noChangeShapeType="1"/>
+          </p:cNvCxnSpPr>
+          <p:nvPr>
+            <p:extLst>
+              <p:ext uri="{386F3935-93C4-4BCD-93E2-E3B085C9AB24}">
+                <p16:designElem xmlns:p16="http://schemas.microsoft.com/office/powerpoint/2015/main" val="1"/>
+              </p:ext>
+            </p:extLst>
+          </p:nvPr>
+        </p:nvCxnSpPr>
+        <p:spPr>
+          <a:xfrm>
+            <a:off x="6096000" y="1739239"/>
+            <a:ext cx="0" cy="3200400"/>
+          </a:xfrm>
+          <a:prstGeom prst="line">
+            <a:avLst/>
+          </a:prstGeom>
+          <a:ln w="12700">
+            <a:solidFill>
+              <a:schemeClr val="accent1"/>
+            </a:solidFill>
+          </a:ln>
+        </p:spPr>
+        <p:style>
+          <a:lnRef idx="1">
+            <a:schemeClr val="accent1"/>
+          </a:lnRef>
+          <a:fillRef idx="0">
+            <a:schemeClr val="accent1"/>
+          </a:fillRef>
+          <a:effectRef idx="0">
+            <a:schemeClr val="accent1"/>
+          </a:effectRef>
+          <a:fontRef idx="minor">
+            <a:schemeClr val="tx1"/>
+          </a:fontRef>
+        </p:style>
+      </p:cxnSp>
+      <p:pic>
+        <p:nvPicPr>
+          <p:cNvPr id="5" name="Picture 4" descr="A graph of a graph showing a number of different types of energy&#10;&#10;AI-generated content may be incorrect.">
+            <a:extLst>
+              <a:ext uri="{FF2B5EF4-FFF2-40B4-BE49-F238E27FC236}">
+                <a16:creationId xmlns:a16="http://schemas.microsoft.com/office/drawing/2014/main" id="{DD6D08D1-0C9A-A23D-5EFB-E4C21CAFA8CE}"/>
+              </a:ext>
+            </a:extLst>
+          </p:cNvPr>
+          <p:cNvPicPr>
+            <a:picLocks noChangeAspect="1"/>
+          </p:cNvPicPr>
+          <p:nvPr/>
+        </p:nvPicPr>
+        <p:blipFill>
+          <a:blip r:embed="rId3"/>
+          <a:stretch>
+            <a:fillRect/>
+          </a:stretch>
+        </p:blipFill>
+        <p:spPr>
+          <a:xfrm>
+            <a:off x="6434633" y="1275204"/>
+            <a:ext cx="4644528" cy="4128469"/>
+          </a:xfrm>
+          <a:prstGeom prst="rect">
+            <a:avLst/>
+          </a:prstGeom>
+        </p:spPr>
+      </p:pic>
+    </p:spTree>
+    <p:extLst>
+      <p:ext uri="{BB962C8B-B14F-4D97-AF65-F5344CB8AC3E}">
+        <p14:creationId xmlns:p14="http://schemas.microsoft.com/office/powerpoint/2010/main" val="335071666"/>
+      </p:ext>
+    </p:extLst>
+  </p:cSld>
+  <p:clrMapOvr>
+    <a:masterClrMapping/>
+  </p:clrMapOvr>
+</p:sld>
+</file>
+
 <file path=ppt/theme/theme1.xml><?xml version="1.0" encoding="utf-8"?>
 <a:theme xmlns:a="http://schemas.openxmlformats.org/drawingml/2006/main" name="Office Theme">
   <a:themeElements>

--- a/quick_figures.pptx
+++ b/quick_figures.pptx
@@ -7,6 +7,7 @@
   <p:sldIdLst>
     <p:sldId id="256" r:id="rId2"/>
     <p:sldId id="257" r:id="rId3"/>
+    <p:sldId id="258" r:id="rId4"/>
   </p:sldIdLst>
   <p:sldSz cx="12192000" cy="6858000"/>
   <p:notesSz cx="6858000" cy="9144000"/>
@@ -3804,6 +3805,421 @@
 </p:sld>
 </file>
 
+<file path=ppt/slides/slide3.xml><?xml version="1.0" encoding="utf-8"?>
+<p:sld xmlns:a="http://schemas.openxmlformats.org/drawingml/2006/main" xmlns:r="http://schemas.openxmlformats.org/officeDocument/2006/relationships" xmlns:p="http://schemas.openxmlformats.org/presentationml/2006/main">
+  <p:cSld>
+    <p:bg>
+      <p:bgPr>
+        <a:solidFill>
+          <a:schemeClr val="bg1"/>
+        </a:solidFill>
+        <a:effectLst/>
+      </p:bgPr>
+    </p:bg>
+    <p:spTree>
+      <p:nvGrpSpPr>
+        <p:cNvPr id="1" name="">
+          <a:extLst>
+            <a:ext uri="{FF2B5EF4-FFF2-40B4-BE49-F238E27FC236}">
+              <a16:creationId xmlns:a16="http://schemas.microsoft.com/office/drawing/2014/main" id="{EED17AE6-D974-7C7E-8D01-02474156732F}"/>
+            </a:ext>
+          </a:extLst>
+        </p:cNvPr>
+        <p:cNvGrpSpPr/>
+        <p:nvPr/>
+      </p:nvGrpSpPr>
+      <p:grpSpPr>
+        <a:xfrm>
+          <a:off x="0" y="0"/>
+          <a:ext cx="0" cy="0"/>
+          <a:chOff x="0" y="0"/>
+          <a:chExt cx="0" cy="0"/>
+        </a:xfrm>
+      </p:grpSpPr>
+      <p:sp>
+        <p:nvSpPr>
+          <p:cNvPr id="14" name="Freeform 6">
+            <a:extLst>
+              <a:ext uri="{FF2B5EF4-FFF2-40B4-BE49-F238E27FC236}">
+                <a16:creationId xmlns:a16="http://schemas.microsoft.com/office/drawing/2014/main" id="{AC50D813-BED5-C715-4BD3-E8BF7A635FBC}"/>
+              </a:ext>
+              <a:ext uri="{C183D7F6-B498-43B3-948B-1728B52AA6E4}">
+                <adec:decorative xmlns:adec="http://schemas.microsoft.com/office/drawing/2017/decorative" val="1"/>
+              </a:ext>
+            </a:extLst>
+          </p:cNvPr>
+          <p:cNvSpPr>
+            <a:spLocks noGrp="1" noRot="1" noChangeAspect="1" noMove="1" noResize="1" noEditPoints="1" noAdjustHandles="1" noChangeArrowheads="1" noChangeShapeType="1" noTextEdit="1"/>
+          </p:cNvSpPr>
+          <p:nvPr>
+            <p:extLst>
+              <p:ext uri="{386F3935-93C4-4BCD-93E2-E3B085C9AB24}">
+                <p16:designElem xmlns:p16="http://schemas.microsoft.com/office/powerpoint/2015/main" val="1"/>
+              </p:ext>
+            </p:extLst>
+          </p:nvPr>
+        </p:nvSpPr>
+        <p:spPr bwMode="auto">
+          <a:xfrm>
+            <a:off x="11118533" y="918266"/>
+            <a:ext cx="706127" cy="5863534"/>
+          </a:xfrm>
+          <a:custGeom>
+            <a:avLst/>
+            <a:gdLst>
+              <a:gd name="T0" fmla="*/ 414 w 414"/>
+              <a:gd name="T1" fmla="*/ 2447 h 2447"/>
+              <a:gd name="T2" fmla="*/ 0 w 414"/>
+              <a:gd name="T3" fmla="*/ 2247 h 2447"/>
+              <a:gd name="T4" fmla="*/ 0 w 414"/>
+              <a:gd name="T5" fmla="*/ 0 h 2447"/>
+              <a:gd name="T6" fmla="*/ 414 w 414"/>
+              <a:gd name="T7" fmla="*/ 200 h 2447"/>
+              <a:gd name="T8" fmla="*/ 414 w 414"/>
+              <a:gd name="T9" fmla="*/ 2447 h 2447"/>
+            </a:gdLst>
+            <a:ahLst/>
+            <a:cxnLst>
+              <a:cxn ang="0">
+                <a:pos x="T0" y="T1"/>
+              </a:cxn>
+              <a:cxn ang="0">
+                <a:pos x="T2" y="T3"/>
+              </a:cxn>
+              <a:cxn ang="0">
+                <a:pos x="T4" y="T5"/>
+              </a:cxn>
+              <a:cxn ang="0">
+                <a:pos x="T6" y="T7"/>
+              </a:cxn>
+              <a:cxn ang="0">
+                <a:pos x="T8" y="T9"/>
+              </a:cxn>
+            </a:cxnLst>
+            <a:rect l="0" t="0" r="r" b="b"/>
+            <a:pathLst>
+              <a:path w="414" h="2447">
+                <a:moveTo>
+                  <a:pt x="414" y="2447"/>
+                </a:moveTo>
+                <a:lnTo>
+                  <a:pt x="0" y="2247"/>
+                </a:lnTo>
+                <a:lnTo>
+                  <a:pt x="0" y="0"/>
+                </a:lnTo>
+                <a:lnTo>
+                  <a:pt x="414" y="200"/>
+                </a:lnTo>
+                <a:lnTo>
+                  <a:pt x="414" y="2447"/>
+                </a:lnTo>
+                <a:close/>
+              </a:path>
+            </a:pathLst>
+          </a:custGeom>
+          <a:solidFill>
+            <a:schemeClr val="accent1">
+              <a:lumMod val="75000"/>
+            </a:schemeClr>
+          </a:solidFill>
+          <a:ln>
+            <a:noFill/>
+          </a:ln>
+        </p:spPr>
+        <p:txBody>
+          <a:bodyPr vert="horz" wrap="square" lIns="91440" tIns="45720" rIns="91440" bIns="45720" numCol="1" anchor="t" anchorCtr="0" compatLnSpc="1">
+            <a:prstTxWarp prst="textNoShape">
+              <a:avLst/>
+            </a:prstTxWarp>
+          </a:bodyPr>
+          <a:lstStyle/>
+          <a:p>
+            <a:endParaRPr lang="en-US"/>
+          </a:p>
+        </p:txBody>
+      </p:sp>
+      <p:sp>
+        <p:nvSpPr>
+          <p:cNvPr id="16" name="Freeform 7">
+            <a:extLst>
+              <a:ext uri="{FF2B5EF4-FFF2-40B4-BE49-F238E27FC236}">
+                <a16:creationId xmlns:a16="http://schemas.microsoft.com/office/drawing/2014/main" id="{0A9868C6-F4D6-B861-2361-9385E8E98917}"/>
+              </a:ext>
+              <a:ext uri="{C183D7F6-B498-43B3-948B-1728B52AA6E4}">
+                <adec:decorative xmlns:adec="http://schemas.microsoft.com/office/drawing/2017/decorative" val="1"/>
+              </a:ext>
+            </a:extLst>
+          </p:cNvPr>
+          <p:cNvSpPr>
+            <a:spLocks noGrp="1" noRot="1" noChangeAspect="1" noMove="1" noResize="1" noEditPoints="1" noAdjustHandles="1" noChangeArrowheads="1" noChangeShapeType="1" noTextEdit="1"/>
+          </p:cNvSpPr>
+          <p:nvPr>
+            <p:extLst>
+              <p:ext uri="{386F3935-93C4-4BCD-93E2-E3B085C9AB24}">
+                <p16:designElem xmlns:p16="http://schemas.microsoft.com/office/powerpoint/2015/main" val="1"/>
+              </p:ext>
+            </p:extLst>
+          </p:nvPr>
+        </p:nvSpPr>
+        <p:spPr bwMode="auto">
+          <a:xfrm>
+            <a:off x="11117879" y="643467"/>
+            <a:ext cx="420307" cy="5668919"/>
+          </a:xfrm>
+          <a:custGeom>
+            <a:avLst/>
+            <a:gdLst>
+              <a:gd name="T0" fmla="*/ 209 w 209"/>
+              <a:gd name="T1" fmla="*/ 2246 h 2358"/>
+              <a:gd name="T2" fmla="*/ 0 w 209"/>
+              <a:gd name="T3" fmla="*/ 2358 h 2358"/>
+              <a:gd name="T4" fmla="*/ 0 w 209"/>
+              <a:gd name="T5" fmla="*/ 111 h 2358"/>
+              <a:gd name="T6" fmla="*/ 209 w 209"/>
+              <a:gd name="T7" fmla="*/ 0 h 2358"/>
+              <a:gd name="T8" fmla="*/ 209 w 209"/>
+              <a:gd name="T9" fmla="*/ 2246 h 2358"/>
+            </a:gdLst>
+            <a:ahLst/>
+            <a:cxnLst>
+              <a:cxn ang="0">
+                <a:pos x="T0" y="T1"/>
+              </a:cxn>
+              <a:cxn ang="0">
+                <a:pos x="T2" y="T3"/>
+              </a:cxn>
+              <a:cxn ang="0">
+                <a:pos x="T4" y="T5"/>
+              </a:cxn>
+              <a:cxn ang="0">
+                <a:pos x="T6" y="T7"/>
+              </a:cxn>
+              <a:cxn ang="0">
+                <a:pos x="T8" y="T9"/>
+              </a:cxn>
+            </a:cxnLst>
+            <a:rect l="0" t="0" r="r" b="b"/>
+            <a:pathLst>
+              <a:path w="209" h="2358">
+                <a:moveTo>
+                  <a:pt x="209" y="2246"/>
+                </a:moveTo>
+                <a:lnTo>
+                  <a:pt x="0" y="2358"/>
+                </a:lnTo>
+                <a:lnTo>
+                  <a:pt x="0" y="111"/>
+                </a:lnTo>
+                <a:lnTo>
+                  <a:pt x="209" y="0"/>
+                </a:lnTo>
+                <a:lnTo>
+                  <a:pt x="209" y="2246"/>
+                </a:lnTo>
+                <a:close/>
+              </a:path>
+            </a:pathLst>
+          </a:custGeom>
+          <a:solidFill>
+            <a:schemeClr val="accent1">
+              <a:lumMod val="50000"/>
+            </a:schemeClr>
+          </a:solidFill>
+          <a:ln>
+            <a:noFill/>
+          </a:ln>
+        </p:spPr>
+        <p:txBody>
+          <a:bodyPr vert="horz" wrap="square" lIns="91440" tIns="45720" rIns="91440" bIns="45720" numCol="1" anchor="t" anchorCtr="0" compatLnSpc="1">
+            <a:prstTxWarp prst="textNoShape">
+              <a:avLst/>
+            </a:prstTxWarp>
+          </a:bodyPr>
+          <a:lstStyle/>
+          <a:p>
+            <a:endParaRPr lang="en-US"/>
+          </a:p>
+        </p:txBody>
+      </p:sp>
+      <p:sp>
+        <p:nvSpPr>
+          <p:cNvPr id="18" name="Rectangle 17">
+            <a:extLst>
+              <a:ext uri="{FF2B5EF4-FFF2-40B4-BE49-F238E27FC236}">
+                <a16:creationId xmlns:a16="http://schemas.microsoft.com/office/drawing/2014/main" id="{EB9B94C0-D37B-AE77-CBBF-903A17A81843}"/>
+              </a:ext>
+              <a:ext uri="{C183D7F6-B498-43B3-948B-1728B52AA6E4}">
+                <adec:decorative xmlns:adec="http://schemas.microsoft.com/office/drawing/2017/decorative" val="1"/>
+              </a:ext>
+            </a:extLst>
+          </p:cNvPr>
+          <p:cNvSpPr>
+            <a:spLocks noGrp="1" noRot="1" noChangeAspect="1" noMove="1" noResize="1" noEditPoints="1" noAdjustHandles="1" noChangeArrowheads="1" noChangeShapeType="1" noTextEdit="1"/>
+          </p:cNvSpPr>
+          <p:nvPr>
+            <p:extLst>
+              <p:ext uri="{386F3935-93C4-4BCD-93E2-E3B085C9AB24}">
+                <p16:designElem xmlns:p16="http://schemas.microsoft.com/office/powerpoint/2015/main" val="1"/>
+              </p:ext>
+            </p:extLst>
+          </p:nvPr>
+        </p:nvSpPr>
+        <p:spPr bwMode="auto">
+          <a:xfrm>
+            <a:off x="638387" y="643467"/>
+            <a:ext cx="10933503" cy="5391944"/>
+          </a:xfrm>
+          <a:prstGeom prst="rect">
+            <a:avLst/>
+          </a:prstGeom>
+          <a:solidFill>
+            <a:srgbClr val="FFFFFF"/>
+          </a:solidFill>
+          <a:ln w="12700">
+            <a:solidFill>
+              <a:schemeClr val="accent1"/>
+            </a:solidFill>
+            <a:miter lim="800000"/>
+          </a:ln>
+        </p:spPr>
+        <p:txBody>
+          <a:bodyPr vert="horz" wrap="square" lIns="91440" tIns="45720" rIns="91440" bIns="45720" numCol="1" anchor="t" anchorCtr="0" compatLnSpc="1">
+            <a:prstTxWarp prst="textNoShape">
+              <a:avLst/>
+            </a:prstTxWarp>
+          </a:bodyPr>
+          <a:lstStyle/>
+          <a:p>
+            <a:endParaRPr lang="en-US"/>
+          </a:p>
+        </p:txBody>
+      </p:sp>
+      <p:cxnSp>
+        <p:nvCxnSpPr>
+          <p:cNvPr id="20" name="Straight Connector 19">
+            <a:extLst>
+              <a:ext uri="{FF2B5EF4-FFF2-40B4-BE49-F238E27FC236}">
+                <a16:creationId xmlns:a16="http://schemas.microsoft.com/office/drawing/2014/main" id="{5055A0BB-82A4-5EEC-AD29-794280438BB0}"/>
+              </a:ext>
+              <a:ext uri="{C183D7F6-B498-43B3-948B-1728B52AA6E4}">
+                <adec:decorative xmlns:adec="http://schemas.microsoft.com/office/drawing/2017/decorative" val="1"/>
+              </a:ext>
+            </a:extLst>
+          </p:cNvPr>
+          <p:cNvCxnSpPr>
+            <a:cxnSpLocks noGrp="1" noRot="1" noChangeAspect="1" noMove="1" noResize="1" noEditPoints="1" noAdjustHandles="1" noChangeArrowheads="1" noChangeShapeType="1"/>
+          </p:cNvCxnSpPr>
+          <p:nvPr>
+            <p:extLst>
+              <p:ext uri="{386F3935-93C4-4BCD-93E2-E3B085C9AB24}">
+                <p16:designElem xmlns:p16="http://schemas.microsoft.com/office/powerpoint/2015/main" val="1"/>
+              </p:ext>
+            </p:extLst>
+          </p:nvPr>
+        </p:nvCxnSpPr>
+        <p:spPr>
+          <a:xfrm>
+            <a:off x="6096000" y="1739239"/>
+            <a:ext cx="0" cy="3200400"/>
+          </a:xfrm>
+          <a:prstGeom prst="line">
+            <a:avLst/>
+          </a:prstGeom>
+          <a:ln w="12700">
+            <a:solidFill>
+              <a:schemeClr val="accent1"/>
+            </a:solidFill>
+          </a:ln>
+        </p:spPr>
+        <p:style>
+          <a:lnRef idx="1">
+            <a:schemeClr val="accent1"/>
+          </a:lnRef>
+          <a:fillRef idx="0">
+            <a:schemeClr val="accent1"/>
+          </a:fillRef>
+          <a:effectRef idx="0">
+            <a:schemeClr val="accent1"/>
+          </a:effectRef>
+          <a:fontRef idx="minor">
+            <a:schemeClr val="tx1"/>
+          </a:fontRef>
+        </p:style>
+      </p:cxnSp>
+      <p:pic>
+        <p:nvPicPr>
+          <p:cNvPr id="3" name="Picture 2" descr="A graph of a graph showing a number of electrons&#10;&#10;AI-generated content may be incorrect.">
+            <a:extLst>
+              <a:ext uri="{FF2B5EF4-FFF2-40B4-BE49-F238E27FC236}">
+                <a16:creationId xmlns:a16="http://schemas.microsoft.com/office/drawing/2014/main" id="{CA20B349-5476-2CBC-A902-CA2659A48B35}"/>
+              </a:ext>
+            </a:extLst>
+          </p:cNvPr>
+          <p:cNvPicPr>
+            <a:picLocks noChangeAspect="1"/>
+          </p:cNvPicPr>
+          <p:nvPr/>
+        </p:nvPicPr>
+        <p:blipFill>
+          <a:blip r:embed="rId2"/>
+          <a:stretch>
+            <a:fillRect/>
+          </a:stretch>
+        </p:blipFill>
+        <p:spPr>
+          <a:xfrm>
+            <a:off x="6755916" y="1412566"/>
+            <a:ext cx="4536973" cy="4032865"/>
+          </a:xfrm>
+          <a:prstGeom prst="rect">
+            <a:avLst/>
+          </a:prstGeom>
+        </p:spPr>
+      </p:pic>
+      <p:pic>
+        <p:nvPicPr>
+          <p:cNvPr id="6" name="Picture 5" descr="A graph of a graph showing the number of electrons&#10;&#10;AI-generated content may be incorrect.">
+            <a:extLst>
+              <a:ext uri="{FF2B5EF4-FFF2-40B4-BE49-F238E27FC236}">
+                <a16:creationId xmlns:a16="http://schemas.microsoft.com/office/drawing/2014/main" id="{1192A7AD-75BF-C607-645B-5E80C9C438EB}"/>
+              </a:ext>
+            </a:extLst>
+          </p:cNvPr>
+          <p:cNvPicPr>
+            <a:picLocks noChangeAspect="1"/>
+          </p:cNvPicPr>
+          <p:nvPr/>
+        </p:nvPicPr>
+        <p:blipFill>
+          <a:blip r:embed="rId3"/>
+          <a:stretch>
+            <a:fillRect/>
+          </a:stretch>
+        </p:blipFill>
+        <p:spPr>
+          <a:xfrm>
+            <a:off x="899111" y="1412567"/>
+            <a:ext cx="4536973" cy="4032865"/>
+          </a:xfrm>
+          <a:prstGeom prst="rect">
+            <a:avLst/>
+          </a:prstGeom>
+        </p:spPr>
+      </p:pic>
+    </p:spTree>
+    <p:extLst>
+      <p:ext uri="{BB962C8B-B14F-4D97-AF65-F5344CB8AC3E}">
+        <p14:creationId xmlns:p14="http://schemas.microsoft.com/office/powerpoint/2010/main" val="3459925808"/>
+      </p:ext>
+    </p:extLst>
+  </p:cSld>
+  <p:clrMapOvr>
+    <a:masterClrMapping/>
+  </p:clrMapOvr>
+</p:sld>
+</file>
+
 <file path=ppt/theme/theme1.xml><?xml version="1.0" encoding="utf-8"?>
 <a:theme xmlns:a="http://schemas.openxmlformats.org/drawingml/2006/main" name="Office Theme">
   <a:themeElements>

--- a/quick_figures.pptx
+++ b/quick_figures.pptx
@@ -8,6 +8,7 @@
     <p:sldId id="256" r:id="rId2"/>
     <p:sldId id="257" r:id="rId3"/>
     <p:sldId id="258" r:id="rId4"/>
+    <p:sldId id="259" r:id="rId5"/>
   </p:sldIdLst>
   <p:sldSz cx="12192000" cy="6858000"/>
   <p:notesSz cx="6858000" cy="9144000"/>
@@ -4220,6 +4221,66 @@
 </p:sld>
 </file>
 
+<file path=ppt/slides/slide4.xml><?xml version="1.0" encoding="utf-8"?>
+<p:sld xmlns:a="http://schemas.openxmlformats.org/drawingml/2006/main" xmlns:r="http://schemas.openxmlformats.org/officeDocument/2006/relationships" xmlns:p="http://schemas.openxmlformats.org/presentationml/2006/main">
+  <p:cSld>
+    <p:spTree>
+      <p:nvGrpSpPr>
+        <p:cNvPr id="1" name=""/>
+        <p:cNvGrpSpPr/>
+        <p:nvPr/>
+      </p:nvGrpSpPr>
+      <p:grpSpPr>
+        <a:xfrm>
+          <a:off x="0" y="0"/>
+          <a:ext cx="0" cy="0"/>
+          <a:chOff x="0" y="0"/>
+          <a:chExt cx="0" cy="0"/>
+        </a:xfrm>
+      </p:grpSpPr>
+      <p:pic>
+        <p:nvPicPr>
+          <p:cNvPr id="2" name="Picture 1">
+            <a:extLst>
+              <a:ext uri="{FF2B5EF4-FFF2-40B4-BE49-F238E27FC236}">
+                <a16:creationId xmlns:a16="http://schemas.microsoft.com/office/drawing/2014/main" id="{B265A639-F0EC-5556-459A-0CA2C6223972}"/>
+              </a:ext>
+            </a:extLst>
+          </p:cNvPr>
+          <p:cNvPicPr>
+            <a:picLocks noChangeAspect="1"/>
+          </p:cNvPicPr>
+          <p:nvPr/>
+        </p:nvPicPr>
+        <p:blipFill>
+          <a:blip r:embed="rId2"/>
+          <a:stretch>
+            <a:fillRect/>
+          </a:stretch>
+        </p:blipFill>
+        <p:spPr>
+          <a:xfrm>
+            <a:off x="4356362" y="2052966"/>
+            <a:ext cx="3479275" cy="2752067"/>
+          </a:xfrm>
+          <a:prstGeom prst="rect">
+            <a:avLst/>
+          </a:prstGeom>
+        </p:spPr>
+      </p:pic>
+    </p:spTree>
+    <p:extLst>
+      <p:ext uri="{BB962C8B-B14F-4D97-AF65-F5344CB8AC3E}">
+        <p14:creationId xmlns:p14="http://schemas.microsoft.com/office/powerpoint/2010/main" val="230104087"/>
+      </p:ext>
+    </p:extLst>
+  </p:cSld>
+  <p:clrMapOvr>
+    <a:masterClrMapping/>
+  </p:clrMapOvr>
+</p:sld>
+</file>
+
 <file path=ppt/theme/theme1.xml><?xml version="1.0" encoding="utf-8"?>
 <a:theme xmlns:a="http://schemas.openxmlformats.org/drawingml/2006/main" name="Office Theme">
   <a:themeElements>

--- a/quick_figures.pptx
+++ b/quick_figures.pptx
@@ -9,6 +9,7 @@
     <p:sldId id="257" r:id="rId3"/>
     <p:sldId id="258" r:id="rId4"/>
     <p:sldId id="259" r:id="rId5"/>
+    <p:sldId id="260" r:id="rId6"/>
   </p:sldIdLst>
   <p:sldSz cx="12192000" cy="6858000"/>
   <p:notesSz cx="6858000" cy="9144000"/>
@@ -107,6 +108,11 @@
       </a:defRPr>
     </a:lvl9pPr>
   </p:defaultTextStyle>
+  <p:extLst>
+    <p:ext uri="{EFAFB233-063F-42B5-8137-9DF3F51BA10A}">
+      <p15:sldGuideLst xmlns:p15="http://schemas.microsoft.com/office/powerpoint/2012/main"/>
+    </p:ext>
+  </p:extLst>
 </p:presentation>
 </file>
 
@@ -257,7 +263,7 @@
           <a:p>
             <a:fld id="{4A91DB90-0D24-B94B-9BC1-3A1B9E2096B6}" type="datetimeFigureOut">
               <a:rPr lang="en-US" smtClean="0"/>
-              <a:t>1/12/26</a:t>
+              <a:t>2/5/26</a:t>
             </a:fld>
             <a:endParaRPr lang="en-US"/>
           </a:p>
@@ -455,7 +461,7 @@
           <a:p>
             <a:fld id="{4A91DB90-0D24-B94B-9BC1-3A1B9E2096B6}" type="datetimeFigureOut">
               <a:rPr lang="en-US" smtClean="0"/>
-              <a:t>1/12/26</a:t>
+              <a:t>2/5/26</a:t>
             </a:fld>
             <a:endParaRPr lang="en-US"/>
           </a:p>
@@ -663,7 +669,7 @@
           <a:p>
             <a:fld id="{4A91DB90-0D24-B94B-9BC1-3A1B9E2096B6}" type="datetimeFigureOut">
               <a:rPr lang="en-US" smtClean="0"/>
-              <a:t>1/12/26</a:t>
+              <a:t>2/5/26</a:t>
             </a:fld>
             <a:endParaRPr lang="en-US"/>
           </a:p>
@@ -861,7 +867,7 @@
           <a:p>
             <a:fld id="{4A91DB90-0D24-B94B-9BC1-3A1B9E2096B6}" type="datetimeFigureOut">
               <a:rPr lang="en-US" smtClean="0"/>
-              <a:t>1/12/26</a:t>
+              <a:t>2/5/26</a:t>
             </a:fld>
             <a:endParaRPr lang="en-US"/>
           </a:p>
@@ -1136,7 +1142,7 @@
           <a:p>
             <a:fld id="{4A91DB90-0D24-B94B-9BC1-3A1B9E2096B6}" type="datetimeFigureOut">
               <a:rPr lang="en-US" smtClean="0"/>
-              <a:t>1/12/26</a:t>
+              <a:t>2/5/26</a:t>
             </a:fld>
             <a:endParaRPr lang="en-US"/>
           </a:p>
@@ -1401,7 +1407,7 @@
           <a:p>
             <a:fld id="{4A91DB90-0D24-B94B-9BC1-3A1B9E2096B6}" type="datetimeFigureOut">
               <a:rPr lang="en-US" smtClean="0"/>
-              <a:t>1/12/26</a:t>
+              <a:t>2/5/26</a:t>
             </a:fld>
             <a:endParaRPr lang="en-US"/>
           </a:p>
@@ -1813,7 +1819,7 @@
           <a:p>
             <a:fld id="{4A91DB90-0D24-B94B-9BC1-3A1B9E2096B6}" type="datetimeFigureOut">
               <a:rPr lang="en-US" smtClean="0"/>
-              <a:t>1/12/26</a:t>
+              <a:t>2/5/26</a:t>
             </a:fld>
             <a:endParaRPr lang="en-US"/>
           </a:p>
@@ -1954,7 +1960,7 @@
           <a:p>
             <a:fld id="{4A91DB90-0D24-B94B-9BC1-3A1B9E2096B6}" type="datetimeFigureOut">
               <a:rPr lang="en-US" smtClean="0"/>
-              <a:t>1/12/26</a:t>
+              <a:t>2/5/26</a:t>
             </a:fld>
             <a:endParaRPr lang="en-US"/>
           </a:p>
@@ -2067,7 +2073,7 @@
           <a:p>
             <a:fld id="{4A91DB90-0D24-B94B-9BC1-3A1B9E2096B6}" type="datetimeFigureOut">
               <a:rPr lang="en-US" smtClean="0"/>
-              <a:t>1/12/26</a:t>
+              <a:t>2/5/26</a:t>
             </a:fld>
             <a:endParaRPr lang="en-US"/>
           </a:p>
@@ -2378,7 +2384,7 @@
           <a:p>
             <a:fld id="{4A91DB90-0D24-B94B-9BC1-3A1B9E2096B6}" type="datetimeFigureOut">
               <a:rPr lang="en-US" smtClean="0"/>
-              <a:t>1/12/26</a:t>
+              <a:t>2/5/26</a:t>
             </a:fld>
             <a:endParaRPr lang="en-US"/>
           </a:p>
@@ -2666,7 +2672,7 @@
           <a:p>
             <a:fld id="{4A91DB90-0D24-B94B-9BC1-3A1B9E2096B6}" type="datetimeFigureOut">
               <a:rPr lang="en-US" smtClean="0"/>
-              <a:t>1/12/26</a:t>
+              <a:t>2/5/26</a:t>
             </a:fld>
             <a:endParaRPr lang="en-US"/>
           </a:p>
@@ -2907,7 +2913,7 @@
           <a:p>
             <a:fld id="{4A91DB90-0D24-B94B-9BC1-3A1B9E2096B6}" type="datetimeFigureOut">
               <a:rPr lang="en-US" smtClean="0"/>
-              <a:t>1/12/26</a:t>
+              <a:t>2/5/26</a:t>
             </a:fld>
             <a:endParaRPr lang="en-US"/>
           </a:p>
@@ -4281,6 +4287,102 @@
 </p:sld>
 </file>
 
+<file path=ppt/slides/slide5.xml><?xml version="1.0" encoding="utf-8"?>
+<p:sld xmlns:a="http://schemas.openxmlformats.org/drawingml/2006/main" xmlns:r="http://schemas.openxmlformats.org/officeDocument/2006/relationships" xmlns:p="http://schemas.openxmlformats.org/presentationml/2006/main">
+  <p:cSld>
+    <p:spTree>
+      <p:nvGrpSpPr>
+        <p:cNvPr id="1" name="">
+          <a:extLst>
+            <a:ext uri="{FF2B5EF4-FFF2-40B4-BE49-F238E27FC236}">
+              <a16:creationId xmlns:a16="http://schemas.microsoft.com/office/drawing/2014/main" id="{392FD015-C283-AF30-3FCD-2D18B47B2C0A}"/>
+            </a:ext>
+          </a:extLst>
+        </p:cNvPr>
+        <p:cNvGrpSpPr/>
+        <p:nvPr/>
+      </p:nvGrpSpPr>
+      <p:grpSpPr>
+        <a:xfrm>
+          <a:off x="0" y="0"/>
+          <a:ext cx="0" cy="0"/>
+          <a:chOff x="0" y="0"/>
+          <a:chExt cx="0" cy="0"/>
+        </a:xfrm>
+      </p:grpSpPr>
+      <p:pic>
+        <p:nvPicPr>
+          <p:cNvPr id="4" name="Picture 3" descr="A graph of a graph&#10;&#10;AI-generated content may be incorrect.">
+            <a:extLst>
+              <a:ext uri="{FF2B5EF4-FFF2-40B4-BE49-F238E27FC236}">
+                <a16:creationId xmlns:a16="http://schemas.microsoft.com/office/drawing/2014/main" id="{2F40EE0E-EA99-3EA1-1166-0A1AA7AB5106}"/>
+              </a:ext>
+            </a:extLst>
+          </p:cNvPr>
+          <p:cNvPicPr>
+            <a:picLocks noChangeAspect="1"/>
+          </p:cNvPicPr>
+          <p:nvPr/>
+        </p:nvPicPr>
+        <p:blipFill>
+          <a:blip r:embed="rId2"/>
+          <a:stretch>
+            <a:fillRect/>
+          </a:stretch>
+        </p:blipFill>
+        <p:spPr>
+          <a:xfrm>
+            <a:off x="1564408" y="1648918"/>
+            <a:ext cx="3523746" cy="3072984"/>
+          </a:xfrm>
+          <a:prstGeom prst="rect">
+            <a:avLst/>
+          </a:prstGeom>
+        </p:spPr>
+      </p:pic>
+      <p:pic>
+        <p:nvPicPr>
+          <p:cNvPr id="6" name="Picture 5" descr="A graph of a graph with a line and numbers&#10;&#10;AI-generated content may be incorrect.">
+            <a:extLst>
+              <a:ext uri="{FF2B5EF4-FFF2-40B4-BE49-F238E27FC236}">
+                <a16:creationId xmlns:a16="http://schemas.microsoft.com/office/drawing/2014/main" id="{676E37EC-160B-33C4-5595-3B7708658C82}"/>
+              </a:ext>
+            </a:extLst>
+          </p:cNvPr>
+          <p:cNvPicPr>
+            <a:picLocks noChangeAspect="1"/>
+          </p:cNvPicPr>
+          <p:nvPr/>
+        </p:nvPicPr>
+        <p:blipFill>
+          <a:blip r:embed="rId3"/>
+          <a:stretch>
+            <a:fillRect/>
+          </a:stretch>
+        </p:blipFill>
+        <p:spPr>
+          <a:xfrm>
+            <a:off x="6794798" y="1648918"/>
+            <a:ext cx="3523746" cy="3083817"/>
+          </a:xfrm>
+          <a:prstGeom prst="rect">
+            <a:avLst/>
+          </a:prstGeom>
+        </p:spPr>
+      </p:pic>
+    </p:spTree>
+    <p:extLst>
+      <p:ext uri="{BB962C8B-B14F-4D97-AF65-F5344CB8AC3E}">
+        <p14:creationId xmlns:p14="http://schemas.microsoft.com/office/powerpoint/2010/main" val="1764022043"/>
+      </p:ext>
+    </p:extLst>
+  </p:cSld>
+  <p:clrMapOvr>
+    <a:masterClrMapping/>
+  </p:clrMapOvr>
+</p:sld>
+</file>
+
 <file path=ppt/theme/theme1.xml><?xml version="1.0" encoding="utf-8"?>
 <a:theme xmlns:a="http://schemas.openxmlformats.org/drawingml/2006/main" name="Office Theme">
   <a:themeElements>
